--- a/Laboratory Latex/Lab05HighLowWithHints/LMS Upload Lab05/Lab 5 Presentation.pptx
+++ b/Laboratory Latex/Lab05HighLowWithHints/LMS Upload Lab05/Lab 5 Presentation.pptx
@@ -247,7 +247,7 @@
           <a:p>
             <a:fld id="{E4DD5C9C-88A3-CA43-B162-DCC4E1E4BE7D}" type="datetimeFigureOut">
               <a:rPr lang="en-US" smtClean="0"/>
-              <a:t>11/13/2024</a:t>
+              <a:t>3/3/2025</a:t>
             </a:fld>
             <a:endParaRPr lang="en-US"/>
           </a:p>
@@ -412,7 +412,7 @@
           <a:p>
             <a:fld id="{BC5E4000-89B6-4F22-834E-B172C4AA57D1}" type="datetimeFigureOut">
               <a:rPr lang="en-US" smtClean="0"/>
-              <a:t>11/13/2024</a:t>
+              <a:t>3/3/2025</a:t>
             </a:fld>
             <a:endParaRPr lang="en-US"/>
           </a:p>
@@ -1472,7 +1472,7 @@
           <a:p>
             <a:fld id="{8923E60E-3077-9A4D-B784-FBCD6B1A2E3F}" type="datetimeFigureOut">
               <a:rPr lang="en-US" smtClean="0"/>
-              <a:t>11/13/2024</a:t>
+              <a:t>3/3/2025</a:t>
             </a:fld>
             <a:endParaRPr lang="en-US"/>
           </a:p>
@@ -2088,7 +2088,7 @@
           <a:p>
             <a:fld id="{8923E60E-3077-9A4D-B784-FBCD6B1A2E3F}" type="datetimeFigureOut">
               <a:rPr lang="en-US" smtClean="0"/>
-              <a:t>11/13/2024</a:t>
+              <a:t>3/3/2025</a:t>
             </a:fld>
             <a:endParaRPr lang="en-US"/>
           </a:p>
@@ -2565,7 +2565,7 @@
           <a:p>
             <a:fld id="{8923E60E-3077-9A4D-B784-FBCD6B1A2E3F}" type="datetimeFigureOut">
               <a:rPr lang="en-US" smtClean="0"/>
-              <a:t>11/13/2024</a:t>
+              <a:t>3/3/2025</a:t>
             </a:fld>
             <a:endParaRPr lang="en-US"/>
           </a:p>
@@ -2802,7 +2802,7 @@
           <a:p>
             <a:fld id="{8923E60E-3077-9A4D-B784-FBCD6B1A2E3F}" type="datetimeFigureOut">
               <a:rPr lang="en-US" smtClean="0"/>
-              <a:t>11/13/2024</a:t>
+              <a:t>3/3/2025</a:t>
             </a:fld>
             <a:endParaRPr lang="en-US"/>
           </a:p>
@@ -3157,7 +3157,7 @@
           <a:p>
             <a:fld id="{8923E60E-3077-9A4D-B784-FBCD6B1A2E3F}" type="datetimeFigureOut">
               <a:rPr lang="en-US" smtClean="0"/>
-              <a:t>11/13/2024</a:t>
+              <a:t>3/3/2025</a:t>
             </a:fld>
             <a:endParaRPr lang="en-US"/>
           </a:p>
@@ -3624,7 +3624,7 @@
           <a:p>
             <a:fld id="{8923E60E-3077-9A4D-B784-FBCD6B1A2E3F}" type="datetimeFigureOut">
               <a:rPr lang="en-US" smtClean="0"/>
-              <a:t>11/13/2024</a:t>
+              <a:t>3/3/2025</a:t>
             </a:fld>
             <a:endParaRPr lang="en-US"/>
           </a:p>
@@ -3969,7 +3969,7 @@
           <a:p>
             <a:fld id="{8923E60E-3077-9A4D-B784-FBCD6B1A2E3F}" type="datetimeFigureOut">
               <a:rPr lang="en-US" smtClean="0"/>
-              <a:t>11/13/2024</a:t>
+              <a:t>3/3/2025</a:t>
             </a:fld>
             <a:endParaRPr lang="en-US"/>
           </a:p>
@@ -4326,7 +4326,7 @@
           <a:p>
             <a:fld id="{8923E60E-3077-9A4D-B784-FBCD6B1A2E3F}" type="datetimeFigureOut">
               <a:rPr lang="en-US" smtClean="0"/>
-              <a:t>11/13/2024</a:t>
+              <a:t>3/3/2025</a:t>
             </a:fld>
             <a:endParaRPr lang="en-US"/>
           </a:p>
@@ -4867,7 +4867,7 @@
           <a:p>
             <a:fld id="{8923E60E-3077-9A4D-B784-FBCD6B1A2E3F}" type="datetimeFigureOut">
               <a:rPr lang="en-US" smtClean="0"/>
-              <a:t>11/13/2024</a:t>
+              <a:t>3/3/2025</a:t>
             </a:fld>
             <a:endParaRPr lang="en-US"/>
           </a:p>
@@ -5161,7 +5161,7 @@
           <a:p>
             <a:fld id="{8923E60E-3077-9A4D-B784-FBCD6B1A2E3F}" type="datetimeFigureOut">
               <a:rPr lang="en-US" smtClean="0"/>
-              <a:t>11/13/2024</a:t>
+              <a:t>3/3/2025</a:t>
             </a:fld>
             <a:endParaRPr lang="en-US"/>
           </a:p>
@@ -5425,7 +5425,7 @@
           <a:p>
             <a:fld id="{8923E60E-3077-9A4D-B784-FBCD6B1A2E3F}" type="datetimeFigureOut">
               <a:rPr lang="en-US" smtClean="0"/>
-              <a:t>11/13/2024</a:t>
+              <a:t>3/3/2025</a:t>
             </a:fld>
             <a:endParaRPr lang="en-US"/>
           </a:p>
@@ -7175,10 +7175,10 @@
       </p:sp>
       <p:pic>
         <p:nvPicPr>
-          <p:cNvPr id="5" name="Picture 4">
+          <p:cNvPr id="4" name="Picture 3">
             <a:extLst>
               <a:ext uri="{FF2B5EF4-FFF2-40B4-BE49-F238E27FC236}">
-                <a16:creationId xmlns:a16="http://schemas.microsoft.com/office/drawing/2014/main" id="{A2B7FAA3-FE11-4D90-9A19-1B807BA4E6F8}"/>
+                <a16:creationId xmlns:a16="http://schemas.microsoft.com/office/drawing/2014/main" id="{8B80F9B8-3058-427D-893F-61C47973B64B}"/>
               </a:ext>
             </a:extLst>
           </p:cNvPr>
@@ -7195,8 +7195,8 @@
         </p:blipFill>
         <p:spPr>
           <a:xfrm>
-            <a:off x="2342649" y="1436914"/>
-            <a:ext cx="6618145" cy="4640843"/>
+            <a:off x="2919118" y="1610351"/>
+            <a:ext cx="6353764" cy="4434690"/>
           </a:xfrm>
           <a:prstGeom prst="rect">
             <a:avLst/>
